--- a/Final Presentation.pptx
+++ b/Final Presentation.pptx
@@ -6,10 +6,11 @@
   </p:sldMasterIdLst>
   <p:sldIdLst>
     <p:sldId id="256" r:id="rId2"/>
-    <p:sldId id="257" r:id="rId3"/>
-    <p:sldId id="258" r:id="rId4"/>
-    <p:sldId id="260" r:id="rId5"/>
-    <p:sldId id="259" r:id="rId6"/>
+    <p:sldId id="261" r:id="rId3"/>
+    <p:sldId id="257" r:id="rId4"/>
+    <p:sldId id="258" r:id="rId5"/>
+    <p:sldId id="260" r:id="rId6"/>
+    <p:sldId id="259" r:id="rId7"/>
   </p:sldIdLst>
   <p:sldSz cx="12192000" cy="6858000"/>
   <p:notesSz cx="6858000" cy="9144000"/>
@@ -108,6 +109,11 @@
       </a:defRPr>
     </a:lvl9pPr>
   </p:defaultTextStyle>
+  <p:extLst>
+    <p:ext uri="{EFAFB233-063F-42B5-8137-9DF3F51BA10A}">
+      <p15:sldGuideLst xmlns:p15="http://schemas.microsoft.com/office/powerpoint/2012/main"/>
+    </p:ext>
+  </p:extLst>
 </p:presentation>
 </file>
 
@@ -275,7 +281,7 @@
           <a:p>
             <a:fld id="{32637B58-87C1-446D-BDA9-B06F4BCF7782}" type="datetimeFigureOut">
               <a:rPr lang="en-US" smtClean="0"/>
-              <a:t>3/16/21</a:t>
+              <a:t>3/17/2021</a:t>
             </a:fld>
             <a:endParaRPr lang="en-US"/>
           </a:p>
@@ -478,7 +484,7 @@
           <a:p>
             <a:fld id="{32637B58-87C1-446D-BDA9-B06F4BCF7782}" type="datetimeFigureOut">
               <a:rPr lang="en-US" smtClean="0"/>
-              <a:t>3/16/21</a:t>
+              <a:t>3/17/2021</a:t>
             </a:fld>
             <a:endParaRPr lang="en-US"/>
           </a:p>
@@ -686,7 +692,7 @@
           <a:p>
             <a:fld id="{32637B58-87C1-446D-BDA9-B06F4BCF7782}" type="datetimeFigureOut">
               <a:rPr lang="en-US" smtClean="0"/>
-              <a:t>3/16/21</a:t>
+              <a:t>3/17/2021</a:t>
             </a:fld>
             <a:endParaRPr lang="en-US"/>
           </a:p>
@@ -935,7 +941,7 @@
           <a:p>
             <a:fld id="{32637B58-87C1-446D-BDA9-B06F4BCF7782}" type="datetimeFigureOut">
               <a:rPr lang="en-US" smtClean="0"/>
-              <a:t>3/16/21</a:t>
+              <a:t>3/17/2021</a:t>
             </a:fld>
             <a:endParaRPr lang="en-US"/>
           </a:p>
@@ -1239,7 +1245,7 @@
           <a:p>
             <a:fld id="{32637B58-87C1-446D-BDA9-B06F4BCF7782}" type="datetimeFigureOut">
               <a:rPr lang="en-US" smtClean="0"/>
-              <a:t>3/16/21</a:t>
+              <a:t>3/17/2021</a:t>
             </a:fld>
             <a:endParaRPr lang="en-US"/>
           </a:p>
@@ -1506,7 +1512,7 @@
           <a:p>
             <a:fld id="{32637B58-87C1-446D-BDA9-B06F4BCF7782}" type="datetimeFigureOut">
               <a:rPr lang="en-US" smtClean="0"/>
-              <a:t>3/16/21</a:t>
+              <a:t>3/17/2021</a:t>
             </a:fld>
             <a:endParaRPr lang="en-US"/>
           </a:p>
@@ -1961,7 +1967,7 @@
           <a:p>
             <a:fld id="{32637B58-87C1-446D-BDA9-B06F4BCF7782}" type="datetimeFigureOut">
               <a:rPr lang="en-US" smtClean="0"/>
-              <a:t>3/16/21</a:t>
+              <a:t>3/17/2021</a:t>
             </a:fld>
             <a:endParaRPr lang="en-US"/>
           </a:p>
@@ -2102,7 +2108,7 @@
           <a:p>
             <a:fld id="{32637B58-87C1-446D-BDA9-B06F4BCF7782}" type="datetimeFigureOut">
               <a:rPr lang="en-US" smtClean="0"/>
-              <a:t>3/16/21</a:t>
+              <a:t>3/17/2021</a:t>
             </a:fld>
             <a:endParaRPr lang="en-US"/>
           </a:p>
@@ -2215,7 +2221,7 @@
           <a:p>
             <a:fld id="{32637B58-87C1-446D-BDA9-B06F4BCF7782}" type="datetimeFigureOut">
               <a:rPr lang="en-US" smtClean="0"/>
-              <a:t>3/16/21</a:t>
+              <a:t>3/17/2021</a:t>
             </a:fld>
             <a:endParaRPr lang="en-US"/>
           </a:p>
@@ -2526,7 +2532,7 @@
           <a:p>
             <a:fld id="{32637B58-87C1-446D-BDA9-B06F4BCF7782}" type="datetimeFigureOut">
               <a:rPr lang="en-US" smtClean="0"/>
-              <a:t>3/16/21</a:t>
+              <a:t>3/17/2021</a:t>
             </a:fld>
             <a:endParaRPr lang="en-US"/>
           </a:p>
@@ -2817,7 +2823,7 @@
           <a:p>
             <a:fld id="{32637B58-87C1-446D-BDA9-B06F4BCF7782}" type="datetimeFigureOut">
               <a:rPr lang="en-US" smtClean="0"/>
-              <a:t>3/16/21</a:t>
+              <a:t>3/17/2021</a:t>
             </a:fld>
             <a:endParaRPr lang="en-US"/>
           </a:p>
@@ -3226,7 +3232,7 @@
             <a:fld id="{32637B58-87C1-446D-BDA9-B06F4BCF7782}" type="datetimeFigureOut">
               <a:rPr lang="en-US" smtClean="0"/>
               <a:pPr/>
-              <a:t>3/16/21</a:t>
+              <a:t>3/17/2021</a:t>
             </a:fld>
             <a:endParaRPr lang="en-US" dirty="0"/>
           </a:p>
@@ -4413,7 +4419,7 @@
           <a:p>
             <a:r>
               <a:rPr lang="en-US" dirty="0"/>
-              <a:t>KEY FEATURES</a:t>
+              <a:t>BACKGROUND</a:t>
             </a:r>
           </a:p>
         </p:txBody>
@@ -4446,31 +4452,33 @@
           <a:p>
             <a:r>
               <a:rPr lang="en-US" dirty="0"/>
-              <a:t>Field Goal Percentage Rolling Average</a:t>
-            </a:r>
-          </a:p>
-          <a:p>
+              <a:t>Best published model has prediction accuracy of </a:t>
+            </a:r>
+            <a:r>
+              <a:rPr lang="en-US" dirty="0" err="1"/>
+              <a:t>approx</a:t>
+            </a:r>
             <a:r>
               <a:rPr lang="en-US" dirty="0"/>
-              <a:t>Free Throw Percentage Rolling Average</a:t>
+              <a:t> 74%</a:t>
             </a:r>
           </a:p>
           <a:p>
             <a:r>
               <a:rPr lang="en-US" dirty="0"/>
-              <a:t>3-Pointer Field Goal Percentage Rolling Average</a:t>
+              <a:t>Model Avg 66-72% accuracy – most focused on playoff scores</a:t>
             </a:r>
           </a:p>
           <a:p>
             <a:r>
               <a:rPr lang="en-US" dirty="0"/>
-              <a:t>Total Assists Rolling Average</a:t>
+              <a:t>Dataset – NBA Game details for all games from 2004 to early 2020 season</a:t>
             </a:r>
           </a:p>
           <a:p>
             <a:r>
               <a:rPr lang="en-US" dirty="0"/>
-              <a:t>Total Rebounds Rolling Average</a:t>
+              <a:t>Trained models on pre-2020 seasons, tested on 2020 season</a:t>
             </a:r>
           </a:p>
         </p:txBody>
@@ -4478,7 +4486,7 @@
     </p:spTree>
     <p:extLst>
       <p:ext uri="{BB962C8B-B14F-4D97-AF65-F5344CB8AC3E}">
-        <p14:creationId xmlns:p14="http://schemas.microsoft.com/office/powerpoint/2010/main" val="1649986283"/>
+        <p14:creationId xmlns:p14="http://schemas.microsoft.com/office/powerpoint/2010/main" val="2154292397"/>
       </p:ext>
     </p:extLst>
   </p:cSld>
@@ -4510,7 +4518,7 @@
           <p:cNvPr id="2" name="Title 1">
             <a:extLst>
               <a:ext uri="{FF2B5EF4-FFF2-40B4-BE49-F238E27FC236}">
-                <a16:creationId xmlns:a16="http://schemas.microsoft.com/office/drawing/2014/main" id="{095DEF68-CF5F-D546-B852-33316DF98F8B}"/>
+                <a16:creationId xmlns:a16="http://schemas.microsoft.com/office/drawing/2014/main" id="{D77F5737-5F96-C74A-A6F7-7370C526CE4C}"/>
               </a:ext>
             </a:extLst>
           </p:cNvPr>
@@ -4528,7 +4536,7 @@
           <a:p>
             <a:r>
               <a:rPr lang="en-US" dirty="0"/>
-              <a:t>MACHINE LEARNING MODELS</a:t>
+              <a:t>KEY FEATURES</a:t>
             </a:r>
           </a:p>
         </p:txBody>
@@ -4538,7 +4546,7 @@
           <p:cNvPr id="3" name="Content Placeholder 2">
             <a:extLst>
               <a:ext uri="{FF2B5EF4-FFF2-40B4-BE49-F238E27FC236}">
-                <a16:creationId xmlns:a16="http://schemas.microsoft.com/office/drawing/2014/main" id="{C5DECF08-E099-C449-A0D5-6B8A43642E4F}"/>
+                <a16:creationId xmlns:a16="http://schemas.microsoft.com/office/drawing/2014/main" id="{12AFF205-7C01-484A-9E97-22EB5D4EF346}"/>
               </a:ext>
             </a:extLst>
           </p:cNvPr>
@@ -4549,85 +4557,43 @@
             <p:ph idx="1"/>
           </p:nvPr>
         </p:nvSpPr>
-        <p:spPr/>
-        <p:txBody>
-          <a:bodyPr>
-            <a:normAutofit/>
-          </a:bodyPr>
-          <a:lstStyle/>
-          <a:p>
-            <a:r>
-              <a:rPr lang="en-US" dirty="0" err="1"/>
-              <a:t>DecisionTreeClassifier</a:t>
-            </a:r>
+        <p:spPr>
+          <a:xfrm>
+            <a:off x="905256" y="1919672"/>
+            <a:ext cx="9914860" cy="3417778"/>
+          </a:xfrm>
+        </p:spPr>
+        <p:txBody>
+          <a:bodyPr/>
+          <a:lstStyle/>
+          <a:p>
             <a:r>
               <a:rPr lang="en-US" dirty="0"/>
-              <a:t> ❌</a:t>
-            </a:r>
-          </a:p>
-          <a:p>
-            <a:pPr lvl="1"/>
+              <a:t>Field Goal Percentage Rolling Average</a:t>
+            </a:r>
+          </a:p>
+          <a:p>
             <a:r>
               <a:rPr lang="en-US" dirty="0"/>
-              <a:t>47% Accuracy</a:t>
-            </a:r>
-          </a:p>
-          <a:p>
-            <a:r>
-              <a:rPr lang="en-US" dirty="0" err="1"/>
-              <a:t>LogisticRegression</a:t>
-            </a:r>
+              <a:t>Free Throw Percentage Rolling Average</a:t>
+            </a:r>
+          </a:p>
+          <a:p>
             <a:r>
               <a:rPr lang="en-US" dirty="0"/>
-              <a:t> ❌</a:t>
-            </a:r>
-          </a:p>
-          <a:p>
-            <a:pPr lvl="1"/>
+              <a:t>3-Pointer Field Goal Percentage Rolling Average</a:t>
+            </a:r>
+          </a:p>
+          <a:p>
             <a:r>
               <a:rPr lang="en-US" dirty="0"/>
-              <a:t>61%  Accuracy (Testing)</a:t>
-            </a:r>
-          </a:p>
-          <a:p>
-            <a:pPr lvl="1"/>
+              <a:t>Total Assists Rolling Average</a:t>
+            </a:r>
+          </a:p>
+          <a:p>
             <a:r>
               <a:rPr lang="en-US" dirty="0"/>
-              <a:t>51%  Accuracy (Training)</a:t>
-            </a:r>
-          </a:p>
-          <a:p>
-            <a:r>
-              <a:rPr lang="en-US" dirty="0" err="1"/>
-              <a:t>XGBoost</a:t>
-            </a:r>
-            <a:r>
-              <a:rPr lang="en-US" dirty="0"/>
-              <a:t> ❌ </a:t>
-            </a:r>
-          </a:p>
-          <a:p>
-            <a:pPr lvl="1"/>
-            <a:r>
-              <a:rPr lang="en-US" dirty="0"/>
-              <a:t>51% Accuracy</a:t>
-            </a:r>
-          </a:p>
-          <a:p>
-            <a:r>
-              <a:rPr lang="en-US" dirty="0" err="1"/>
-              <a:t>RandomForestClassifier</a:t>
-            </a:r>
-            <a:r>
-              <a:rPr lang="en-US" dirty="0"/>
-              <a:t> ✅</a:t>
-            </a:r>
-          </a:p>
-          <a:p>
-            <a:pPr lvl="1"/>
-            <a:r>
-              <a:rPr lang="en-US" dirty="0"/>
-              <a:t>55% Accuracy</a:t>
+              <a:t>Total Rebounds Rolling Average</a:t>
             </a:r>
           </a:p>
         </p:txBody>
@@ -4635,7 +4601,7 @@
     </p:spTree>
     <p:extLst>
       <p:ext uri="{BB962C8B-B14F-4D97-AF65-F5344CB8AC3E}">
-        <p14:creationId xmlns:p14="http://schemas.microsoft.com/office/powerpoint/2010/main" val="1385197365"/>
+        <p14:creationId xmlns:p14="http://schemas.microsoft.com/office/powerpoint/2010/main" val="1649986283"/>
       </p:ext>
     </p:extLst>
   </p:cSld>
@@ -4667,6 +4633,163 @@
           <p:cNvPr id="2" name="Title 1">
             <a:extLst>
               <a:ext uri="{FF2B5EF4-FFF2-40B4-BE49-F238E27FC236}">
+                <a16:creationId xmlns:a16="http://schemas.microsoft.com/office/drawing/2014/main" id="{095DEF68-CF5F-D546-B852-33316DF98F8B}"/>
+              </a:ext>
+            </a:extLst>
+          </p:cNvPr>
+          <p:cNvSpPr>
+            <a:spLocks noGrp="1"/>
+          </p:cNvSpPr>
+          <p:nvPr>
+            <p:ph type="title"/>
+          </p:nvPr>
+        </p:nvSpPr>
+        <p:spPr/>
+        <p:txBody>
+          <a:bodyPr/>
+          <a:lstStyle/>
+          <a:p>
+            <a:r>
+              <a:rPr lang="en-US" dirty="0"/>
+              <a:t>MACHINE LEARNING MODELS</a:t>
+            </a:r>
+          </a:p>
+        </p:txBody>
+      </p:sp>
+      <p:sp>
+        <p:nvSpPr>
+          <p:cNvPr id="3" name="Content Placeholder 2">
+            <a:extLst>
+              <a:ext uri="{FF2B5EF4-FFF2-40B4-BE49-F238E27FC236}">
+                <a16:creationId xmlns:a16="http://schemas.microsoft.com/office/drawing/2014/main" id="{C5DECF08-E099-C449-A0D5-6B8A43642E4F}"/>
+              </a:ext>
+            </a:extLst>
+          </p:cNvPr>
+          <p:cNvSpPr>
+            <a:spLocks noGrp="1"/>
+          </p:cNvSpPr>
+          <p:nvPr>
+            <p:ph idx="1"/>
+          </p:nvPr>
+        </p:nvSpPr>
+        <p:spPr/>
+        <p:txBody>
+          <a:bodyPr>
+            <a:normAutofit/>
+          </a:bodyPr>
+          <a:lstStyle/>
+          <a:p>
+            <a:r>
+              <a:rPr lang="en-US" dirty="0" err="1"/>
+              <a:t>DecisionTreeClassifier</a:t>
+            </a:r>
+            <a:r>
+              <a:rPr lang="en-US" dirty="0"/>
+              <a:t> ❌</a:t>
+            </a:r>
+          </a:p>
+          <a:p>
+            <a:pPr lvl="1"/>
+            <a:r>
+              <a:rPr lang="en-US" dirty="0"/>
+              <a:t>47% Accuracy</a:t>
+            </a:r>
+          </a:p>
+          <a:p>
+            <a:r>
+              <a:rPr lang="en-US" dirty="0" err="1"/>
+              <a:t>LogisticRegression</a:t>
+            </a:r>
+            <a:r>
+              <a:rPr lang="en-US" dirty="0"/>
+              <a:t> ❌</a:t>
+            </a:r>
+          </a:p>
+          <a:p>
+            <a:pPr lvl="1"/>
+            <a:r>
+              <a:rPr lang="en-US" dirty="0"/>
+              <a:t>61%  Accuracy (Testing)</a:t>
+            </a:r>
+          </a:p>
+          <a:p>
+            <a:pPr lvl="1"/>
+            <a:r>
+              <a:rPr lang="en-US" dirty="0"/>
+              <a:t>51%  Accuracy (Training)</a:t>
+            </a:r>
+          </a:p>
+          <a:p>
+            <a:r>
+              <a:rPr lang="en-US" dirty="0" err="1"/>
+              <a:t>XGBoost</a:t>
+            </a:r>
+            <a:r>
+              <a:rPr lang="en-US" dirty="0"/>
+              <a:t> ❌ </a:t>
+            </a:r>
+          </a:p>
+          <a:p>
+            <a:pPr lvl="1"/>
+            <a:r>
+              <a:rPr lang="en-US" dirty="0"/>
+              <a:t>51% Accuracy</a:t>
+            </a:r>
+          </a:p>
+          <a:p>
+            <a:r>
+              <a:rPr lang="en-US" dirty="0" err="1"/>
+              <a:t>RandomForestClassifier</a:t>
+            </a:r>
+            <a:r>
+              <a:rPr lang="en-US" dirty="0"/>
+              <a:t> ✅</a:t>
+            </a:r>
+          </a:p>
+          <a:p>
+            <a:pPr lvl="1"/>
+            <a:r>
+              <a:rPr lang="en-US" dirty="0"/>
+              <a:t>55% Accuracy</a:t>
+            </a:r>
+          </a:p>
+        </p:txBody>
+      </p:sp>
+    </p:spTree>
+    <p:extLst>
+      <p:ext uri="{BB962C8B-B14F-4D97-AF65-F5344CB8AC3E}">
+        <p14:creationId xmlns:p14="http://schemas.microsoft.com/office/powerpoint/2010/main" val="1385197365"/>
+      </p:ext>
+    </p:extLst>
+  </p:cSld>
+  <p:clrMapOvr>
+    <a:masterClrMapping/>
+  </p:clrMapOvr>
+</p:sld>
+</file>
+
+<file path=ppt/slides/slide5.xml><?xml version="1.0" encoding="utf-8"?>
+<p:sld xmlns:a="http://schemas.openxmlformats.org/drawingml/2006/main" xmlns:r="http://schemas.openxmlformats.org/officeDocument/2006/relationships" xmlns:p="http://schemas.openxmlformats.org/presentationml/2006/main">
+  <p:cSld>
+    <p:spTree>
+      <p:nvGrpSpPr>
+        <p:cNvPr id="1" name=""/>
+        <p:cNvGrpSpPr/>
+        <p:nvPr/>
+      </p:nvGrpSpPr>
+      <p:grpSpPr>
+        <a:xfrm>
+          <a:off x="0" y="0"/>
+          <a:ext cx="0" cy="0"/>
+          <a:chOff x="0" y="0"/>
+          <a:chExt cx="0" cy="0"/>
+        </a:xfrm>
+      </p:grpSpPr>
+      <p:sp>
+        <p:nvSpPr>
+          <p:cNvPr id="2" name="Title 1">
+            <a:extLst>
+              <a:ext uri="{FF2B5EF4-FFF2-40B4-BE49-F238E27FC236}">
                 <a16:creationId xmlns:a16="http://schemas.microsoft.com/office/drawing/2014/main" id="{556A69C9-CD4C-874E-B65C-720B98710C7E}"/>
               </a:ext>
             </a:extLst>
@@ -4739,34 +4862,15 @@
           <a:p>
             <a:r>
               <a:rPr lang="en-US" dirty="0"/>
-              <a:t>Third Run</a:t>
+              <a:t>Total Winnings</a:t>
             </a:r>
           </a:p>
           <a:p>
             <a:pPr lvl="1"/>
             <a:r>
-              <a:rPr lang="en-US"/>
-              <a:t>xxxx</a:t>
-            </a:r>
-            <a:endParaRPr lang="en-US" dirty="0"/>
-          </a:p>
-          <a:p>
-            <a:r>
               <a:rPr lang="en-US" dirty="0"/>
-              <a:t>Total Winnings</a:t>
-            </a:r>
-          </a:p>
-          <a:p>
-            <a:pPr lvl="1"/>
-            <a:r>
-              <a:rPr lang="en-US" dirty="0"/>
-              <a:t>$</a:t>
-            </a:r>
-            <a:r>
-              <a:rPr lang="en-US" dirty="0" err="1"/>
-              <a:t>xxxx</a:t>
-            </a:r>
-            <a:endParaRPr lang="en-US" dirty="0"/>
+              <a:t>$206</a:t>
+            </a:r>
           </a:p>
           <a:p>
             <a:endParaRPr lang="en-US" dirty="0"/>
@@ -4786,7 +4890,7 @@
 </p:sld>
 </file>
 
-<file path=ppt/slides/slide5.xml><?xml version="1.0" encoding="utf-8"?>
+<file path=ppt/slides/slide6.xml><?xml version="1.0" encoding="utf-8"?>
 <p:sld xmlns:a="http://schemas.openxmlformats.org/drawingml/2006/main" xmlns:r="http://schemas.openxmlformats.org/officeDocument/2006/relationships" xmlns:p="http://schemas.openxmlformats.org/presentationml/2006/main">
   <p:cSld>
     <p:spTree>

--- a/Final Presentation.pptx
+++ b/Final Presentation.pptx
@@ -8,9 +8,10 @@
     <p:sldId id="256" r:id="rId2"/>
     <p:sldId id="261" r:id="rId3"/>
     <p:sldId id="257" r:id="rId4"/>
-    <p:sldId id="258" r:id="rId5"/>
-    <p:sldId id="260" r:id="rId6"/>
-    <p:sldId id="259" r:id="rId7"/>
+    <p:sldId id="262" r:id="rId5"/>
+    <p:sldId id="258" r:id="rId6"/>
+    <p:sldId id="260" r:id="rId7"/>
+    <p:sldId id="259" r:id="rId8"/>
   </p:sldIdLst>
   <p:sldSz cx="12192000" cy="6858000"/>
   <p:notesSz cx="6858000" cy="9144000"/>
@@ -4220,10 +4221,32 @@
         </p:spPr>
         <p:txBody>
           <a:bodyPr anchor="t">
-            <a:normAutofit/>
+            <a:normAutofit fontScale="90000"/>
           </a:bodyPr>
           <a:lstStyle/>
           <a:p>
+            <a:r>
+              <a:rPr lang="en-US" sz="4400" dirty="0">
+                <a:solidFill>
+                  <a:srgbClr val="FFFFFF"/>
+                </a:solidFill>
+              </a:rPr>
+              <a:t>WHAT IT TAKES TO WIN:</a:t>
+            </a:r>
+            <a:br>
+              <a:rPr lang="en-US" sz="4400" dirty="0">
+                <a:solidFill>
+                  <a:srgbClr val="FFFFFF"/>
+                </a:solidFill>
+              </a:rPr>
+            </a:br>
+            <a:br>
+              <a:rPr lang="en-US" sz="4400" dirty="0">
+                <a:solidFill>
+                  <a:srgbClr val="FFFFFF"/>
+                </a:solidFill>
+              </a:rPr>
+            </a:br>
             <a:r>
               <a:rPr lang="en-US" sz="4400" dirty="0">
                 <a:solidFill>
@@ -4452,15 +4475,7 @@
           <a:p>
             <a:r>
               <a:rPr lang="en-US" dirty="0"/>
-              <a:t>Best published model has prediction accuracy of </a:t>
-            </a:r>
-            <a:r>
-              <a:rPr lang="en-US" dirty="0" err="1"/>
-              <a:t>approx</a:t>
-            </a:r>
-            <a:r>
-              <a:rPr lang="en-US" dirty="0"/>
-              <a:t> 74%</a:t>
+              <a:t>Best published model has prediction accuracy of approx. 74%</a:t>
             </a:r>
           </a:p>
           <a:p>
@@ -4596,6 +4611,12 @@
               <a:t>Total Rebounds Rolling Average</a:t>
             </a:r>
           </a:p>
+          <a:p>
+            <a:r>
+              <a:rPr lang="en-US" dirty="0"/>
+              <a:t>Averages of game metrics by Team per Season</a:t>
+            </a:r>
+          </a:p>
         </p:txBody>
       </p:sp>
     </p:spTree>
@@ -4633,7 +4654,7 @@
           <p:cNvPr id="2" name="Title 1">
             <a:extLst>
               <a:ext uri="{FF2B5EF4-FFF2-40B4-BE49-F238E27FC236}">
-                <a16:creationId xmlns:a16="http://schemas.microsoft.com/office/drawing/2014/main" id="{095DEF68-CF5F-D546-B852-33316DF98F8B}"/>
+                <a16:creationId xmlns:a16="http://schemas.microsoft.com/office/drawing/2014/main" id="{EA3CB7CC-0A1B-4280-8209-1131CD969D86}"/>
               </a:ext>
             </a:extLst>
           </p:cNvPr>
@@ -4651,106 +4672,262 @@
           <a:p>
             <a:r>
               <a:rPr lang="en-US" dirty="0"/>
-              <a:t>MACHINE LEARNING MODELS</a:t>
-            </a:r>
-          </a:p>
-        </p:txBody>
-      </p:sp>
-      <p:sp>
-        <p:nvSpPr>
-          <p:cNvPr id="3" name="Content Placeholder 2">
-            <a:extLst>
-              <a:ext uri="{FF2B5EF4-FFF2-40B4-BE49-F238E27FC236}">
-                <a16:creationId xmlns:a16="http://schemas.microsoft.com/office/drawing/2014/main" id="{C5DECF08-E099-C449-A0D5-6B8A43642E4F}"/>
-              </a:ext>
-            </a:extLst>
-          </p:cNvPr>
-          <p:cNvSpPr>
-            <a:spLocks noGrp="1"/>
-          </p:cNvSpPr>
+              <a:t>CONFUSION MATRIX</a:t>
+            </a:r>
+          </a:p>
+        </p:txBody>
+      </p:sp>
+      <p:pic>
+        <p:nvPicPr>
+          <p:cNvPr id="5" name="Content Placeholder 4">
+            <a:extLst>
+              <a:ext uri="{FF2B5EF4-FFF2-40B4-BE49-F238E27FC236}">
+                <a16:creationId xmlns:a16="http://schemas.microsoft.com/office/drawing/2014/main" id="{A11209A3-5652-4E88-993B-40072FB74F9D}"/>
+              </a:ext>
+            </a:extLst>
+          </p:cNvPr>
+          <p:cNvPicPr>
+            <a:picLocks noGrp="1" noChangeAspect="1"/>
+          </p:cNvPicPr>
           <p:nvPr>
             <p:ph idx="1"/>
           </p:nvPr>
-        </p:nvSpPr>
-        <p:spPr/>
-        <p:txBody>
-          <a:bodyPr>
+        </p:nvPicPr>
+        <p:blipFill>
+          <a:blip r:embed="rId2"/>
+          <a:stretch>
+            <a:fillRect/>
+          </a:stretch>
+        </p:blipFill>
+        <p:spPr>
+          <a:xfrm>
+            <a:off x="905256" y="2143007"/>
+            <a:ext cx="3093243" cy="4124325"/>
+          </a:xfrm>
+        </p:spPr>
+      </p:pic>
+      <p:sp>
+        <p:nvSpPr>
+          <p:cNvPr id="6" name="Content Placeholder 2">
+            <a:extLst>
+              <a:ext uri="{FF2B5EF4-FFF2-40B4-BE49-F238E27FC236}">
+                <a16:creationId xmlns:a16="http://schemas.microsoft.com/office/drawing/2014/main" id="{DF287179-6FFE-4F35-84FC-E16FE9CD1F4F}"/>
+              </a:ext>
+            </a:extLst>
+          </p:cNvPr>
+          <p:cNvSpPr txBox="1">
+            <a:spLocks/>
+          </p:cNvSpPr>
+          <p:nvPr/>
+        </p:nvSpPr>
+        <p:spPr>
+          <a:xfrm>
+            <a:off x="4314281" y="2496280"/>
+            <a:ext cx="6079097" cy="3417778"/>
+          </a:xfrm>
+          <a:prstGeom prst="rect">
+            <a:avLst/>
+          </a:prstGeom>
+        </p:spPr>
+        <p:txBody>
+          <a:bodyPr vert="horz" lIns="91440" tIns="45720" rIns="91440" bIns="45720" rtlCol="0">
             <a:normAutofit/>
           </a:bodyPr>
-          <a:lstStyle/>
-          <a:p>
-            <a:r>
-              <a:rPr lang="en-US" dirty="0" err="1"/>
-              <a:t>DecisionTreeClassifier</a:t>
-            </a:r>
+          <a:lstStyle>
+            <a:lvl1pPr marL="228600" indent="-228600" algn="l" defTabSz="914400" rtl="0" eaLnBrk="1" latinLnBrk="0" hangingPunct="1">
+              <a:lnSpc>
+                <a:spcPct val="120000"/>
+              </a:lnSpc>
+              <a:spcBef>
+                <a:spcPts val="1000"/>
+              </a:spcBef>
+              <a:buClr>
+                <a:schemeClr val="accent5"/>
+              </a:buClr>
+              <a:buFont typeface="Arial" panose="020B0604020202020204" pitchFamily="34" charset="0"/>
+              <a:buChar char="•"/>
+              <a:defRPr sz="2000" kern="1200">
+                <a:solidFill>
+                  <a:schemeClr val="tx2"/>
+                </a:solidFill>
+                <a:latin typeface="+mn-lt"/>
+                <a:ea typeface="+mn-ea"/>
+                <a:cs typeface="+mn-cs"/>
+              </a:defRPr>
+            </a:lvl1pPr>
+            <a:lvl2pPr marL="685800" indent="-228600" algn="l" defTabSz="914400" rtl="0" eaLnBrk="1" latinLnBrk="0" hangingPunct="1">
+              <a:lnSpc>
+                <a:spcPct val="120000"/>
+              </a:lnSpc>
+              <a:spcBef>
+                <a:spcPts val="500"/>
+              </a:spcBef>
+              <a:buClr>
+                <a:schemeClr val="accent5"/>
+              </a:buClr>
+              <a:buFont typeface="Arial" panose="020B0604020202020204" pitchFamily="34" charset="0"/>
+              <a:buChar char="•"/>
+              <a:defRPr sz="1800" kern="1200">
+                <a:solidFill>
+                  <a:schemeClr val="tx2"/>
+                </a:solidFill>
+                <a:latin typeface="+mn-lt"/>
+                <a:ea typeface="+mn-ea"/>
+                <a:cs typeface="+mn-cs"/>
+              </a:defRPr>
+            </a:lvl2pPr>
+            <a:lvl3pPr marL="1143000" indent="-228600" algn="l" defTabSz="914400" rtl="0" eaLnBrk="1" latinLnBrk="0" hangingPunct="1">
+              <a:lnSpc>
+                <a:spcPct val="120000"/>
+              </a:lnSpc>
+              <a:spcBef>
+                <a:spcPts val="500"/>
+              </a:spcBef>
+              <a:buClr>
+                <a:schemeClr val="accent5"/>
+              </a:buClr>
+              <a:buFont typeface="Arial" panose="020B0604020202020204" pitchFamily="34" charset="0"/>
+              <a:buChar char="•"/>
+              <a:defRPr sz="1600" kern="1200">
+                <a:solidFill>
+                  <a:schemeClr val="tx2"/>
+                </a:solidFill>
+                <a:latin typeface="+mn-lt"/>
+                <a:ea typeface="+mn-ea"/>
+                <a:cs typeface="+mn-cs"/>
+              </a:defRPr>
+            </a:lvl3pPr>
+            <a:lvl4pPr marL="1600200" indent="-228600" algn="l" defTabSz="914400" rtl="0" eaLnBrk="1" latinLnBrk="0" hangingPunct="1">
+              <a:lnSpc>
+                <a:spcPct val="120000"/>
+              </a:lnSpc>
+              <a:spcBef>
+                <a:spcPts val="500"/>
+              </a:spcBef>
+              <a:buClr>
+                <a:schemeClr val="accent5"/>
+              </a:buClr>
+              <a:buFont typeface="Arial" panose="020B0604020202020204" pitchFamily="34" charset="0"/>
+              <a:buChar char="•"/>
+              <a:defRPr sz="1400" kern="1200">
+                <a:solidFill>
+                  <a:schemeClr val="tx2"/>
+                </a:solidFill>
+                <a:latin typeface="+mn-lt"/>
+                <a:ea typeface="+mn-ea"/>
+                <a:cs typeface="+mn-cs"/>
+              </a:defRPr>
+            </a:lvl4pPr>
+            <a:lvl5pPr marL="2057400" indent="-228600" algn="l" defTabSz="914400" rtl="0" eaLnBrk="1" latinLnBrk="0" hangingPunct="1">
+              <a:lnSpc>
+                <a:spcPct val="120000"/>
+              </a:lnSpc>
+              <a:spcBef>
+                <a:spcPts val="500"/>
+              </a:spcBef>
+              <a:buClr>
+                <a:schemeClr val="accent5"/>
+              </a:buClr>
+              <a:buFont typeface="Arial" panose="020B0604020202020204" pitchFamily="34" charset="0"/>
+              <a:buChar char="•"/>
+              <a:defRPr sz="1400" kern="1200">
+                <a:solidFill>
+                  <a:schemeClr val="tx2"/>
+                </a:solidFill>
+                <a:latin typeface="+mn-lt"/>
+                <a:ea typeface="+mn-ea"/>
+                <a:cs typeface="+mn-cs"/>
+              </a:defRPr>
+            </a:lvl5pPr>
+            <a:lvl6pPr marL="2514600" indent="-228600" algn="l" defTabSz="914400" rtl="0" eaLnBrk="1" latinLnBrk="0" hangingPunct="1">
+              <a:lnSpc>
+                <a:spcPct val="90000"/>
+              </a:lnSpc>
+              <a:spcBef>
+                <a:spcPts val="500"/>
+              </a:spcBef>
+              <a:buFont typeface="Arial" panose="020B0604020202020204" pitchFamily="34" charset="0"/>
+              <a:buChar char="•"/>
+              <a:defRPr sz="1800" kern="1200">
+                <a:solidFill>
+                  <a:schemeClr val="tx1"/>
+                </a:solidFill>
+                <a:latin typeface="+mn-lt"/>
+                <a:ea typeface="+mn-ea"/>
+                <a:cs typeface="+mn-cs"/>
+              </a:defRPr>
+            </a:lvl6pPr>
+            <a:lvl7pPr marL="2971800" indent="-228600" algn="l" defTabSz="914400" rtl="0" eaLnBrk="1" latinLnBrk="0" hangingPunct="1">
+              <a:lnSpc>
+                <a:spcPct val="90000"/>
+              </a:lnSpc>
+              <a:spcBef>
+                <a:spcPts val="500"/>
+              </a:spcBef>
+              <a:buFont typeface="Arial" panose="020B0604020202020204" pitchFamily="34" charset="0"/>
+              <a:buChar char="•"/>
+              <a:defRPr sz="1800" kern="1200">
+                <a:solidFill>
+                  <a:schemeClr val="tx1"/>
+                </a:solidFill>
+                <a:latin typeface="+mn-lt"/>
+                <a:ea typeface="+mn-ea"/>
+                <a:cs typeface="+mn-cs"/>
+              </a:defRPr>
+            </a:lvl7pPr>
+            <a:lvl8pPr marL="3429000" indent="-228600" algn="l" defTabSz="914400" rtl="0" eaLnBrk="1" latinLnBrk="0" hangingPunct="1">
+              <a:lnSpc>
+                <a:spcPct val="90000"/>
+              </a:lnSpc>
+              <a:spcBef>
+                <a:spcPts val="500"/>
+              </a:spcBef>
+              <a:buFont typeface="Arial" panose="020B0604020202020204" pitchFamily="34" charset="0"/>
+              <a:buChar char="•"/>
+              <a:defRPr sz="1800" kern="1200">
+                <a:solidFill>
+                  <a:schemeClr val="tx1"/>
+                </a:solidFill>
+                <a:latin typeface="+mn-lt"/>
+                <a:ea typeface="+mn-ea"/>
+                <a:cs typeface="+mn-cs"/>
+              </a:defRPr>
+            </a:lvl8pPr>
+            <a:lvl9pPr marL="3886200" indent="-228600" algn="l" defTabSz="914400" rtl="0" eaLnBrk="1" latinLnBrk="0" hangingPunct="1">
+              <a:lnSpc>
+                <a:spcPct val="90000"/>
+              </a:lnSpc>
+              <a:spcBef>
+                <a:spcPts val="500"/>
+              </a:spcBef>
+              <a:buFont typeface="Arial" panose="020B0604020202020204" pitchFamily="34" charset="0"/>
+              <a:buChar char="•"/>
+              <a:defRPr sz="1800" kern="1200">
+                <a:solidFill>
+                  <a:schemeClr val="tx1"/>
+                </a:solidFill>
+                <a:latin typeface="+mn-lt"/>
+                <a:ea typeface="+mn-ea"/>
+                <a:cs typeface="+mn-cs"/>
+              </a:defRPr>
+            </a:lvl9pPr>
+          </a:lstStyle>
+          <a:p>
             <a:r>
               <a:rPr lang="en-US" dirty="0"/>
-              <a:t> ❌</a:t>
-            </a:r>
-          </a:p>
-          <a:p>
-            <a:pPr lvl="1"/>
+              <a:t>Accuracy: Model Performance</a:t>
+            </a:r>
+          </a:p>
+          <a:p>
             <a:r>
               <a:rPr lang="en-US" dirty="0"/>
-              <a:t>47% Accuracy</a:t>
-            </a:r>
-          </a:p>
-          <a:p>
-            <a:r>
-              <a:rPr lang="en-US" dirty="0" err="1"/>
-              <a:t>LogisticRegression</a:t>
-            </a:r>
+              <a:t>True Negative Rate: How accurate model was given that it predicted a negative (loss)</a:t>
+            </a:r>
+          </a:p>
+          <a:p>
             <a:r>
               <a:rPr lang="en-US" dirty="0"/>
-              <a:t> ❌</a:t>
-            </a:r>
-          </a:p>
-          <a:p>
-            <a:pPr lvl="1"/>
-            <a:r>
-              <a:rPr lang="en-US" dirty="0"/>
-              <a:t>61%  Accuracy (Testing)</a:t>
-            </a:r>
-          </a:p>
-          <a:p>
-            <a:pPr lvl="1"/>
-            <a:r>
-              <a:rPr lang="en-US" dirty="0"/>
-              <a:t>51%  Accuracy (Training)</a:t>
-            </a:r>
-          </a:p>
-          <a:p>
-            <a:r>
-              <a:rPr lang="en-US" dirty="0" err="1"/>
-              <a:t>XGBoost</a:t>
-            </a:r>
-            <a:r>
-              <a:rPr lang="en-US" dirty="0"/>
-              <a:t> ❌ </a:t>
-            </a:r>
-          </a:p>
-          <a:p>
-            <a:pPr lvl="1"/>
-            <a:r>
-              <a:rPr lang="en-US" dirty="0"/>
-              <a:t>51% Accuracy</a:t>
-            </a:r>
-          </a:p>
-          <a:p>
-            <a:r>
-              <a:rPr lang="en-US" dirty="0" err="1"/>
-              <a:t>RandomForestClassifier</a:t>
-            </a:r>
-            <a:r>
-              <a:rPr lang="en-US" dirty="0"/>
-              <a:t> ✅</a:t>
-            </a:r>
-          </a:p>
-          <a:p>
-            <a:pPr lvl="1"/>
-            <a:r>
-              <a:rPr lang="en-US" dirty="0"/>
-              <a:t>55% Accuracy</a:t>
+              <a:t>True Positive Rate: How accurate model was given that it predicted a positive (win)</a:t>
             </a:r>
           </a:p>
         </p:txBody>
@@ -4758,7 +4935,7 @@
     </p:spTree>
     <p:extLst>
       <p:ext uri="{BB962C8B-B14F-4D97-AF65-F5344CB8AC3E}">
-        <p14:creationId xmlns:p14="http://schemas.microsoft.com/office/powerpoint/2010/main" val="1385197365"/>
+        <p14:creationId xmlns:p14="http://schemas.microsoft.com/office/powerpoint/2010/main" val="4073214873"/>
       </p:ext>
     </p:extLst>
   </p:cSld>
@@ -4790,6 +4967,163 @@
           <p:cNvPr id="2" name="Title 1">
             <a:extLst>
               <a:ext uri="{FF2B5EF4-FFF2-40B4-BE49-F238E27FC236}">
+                <a16:creationId xmlns:a16="http://schemas.microsoft.com/office/drawing/2014/main" id="{095DEF68-CF5F-D546-B852-33316DF98F8B}"/>
+              </a:ext>
+            </a:extLst>
+          </p:cNvPr>
+          <p:cNvSpPr>
+            <a:spLocks noGrp="1"/>
+          </p:cNvSpPr>
+          <p:nvPr>
+            <p:ph type="title"/>
+          </p:nvPr>
+        </p:nvSpPr>
+        <p:spPr/>
+        <p:txBody>
+          <a:bodyPr/>
+          <a:lstStyle/>
+          <a:p>
+            <a:r>
+              <a:rPr lang="en-US" dirty="0"/>
+              <a:t>MACHINE LEARNING MODELS</a:t>
+            </a:r>
+          </a:p>
+        </p:txBody>
+      </p:sp>
+      <p:sp>
+        <p:nvSpPr>
+          <p:cNvPr id="3" name="Content Placeholder 2">
+            <a:extLst>
+              <a:ext uri="{FF2B5EF4-FFF2-40B4-BE49-F238E27FC236}">
+                <a16:creationId xmlns:a16="http://schemas.microsoft.com/office/drawing/2014/main" id="{C5DECF08-E099-C449-A0D5-6B8A43642E4F}"/>
+              </a:ext>
+            </a:extLst>
+          </p:cNvPr>
+          <p:cNvSpPr>
+            <a:spLocks noGrp="1"/>
+          </p:cNvSpPr>
+          <p:nvPr>
+            <p:ph idx="1"/>
+          </p:nvPr>
+        </p:nvSpPr>
+        <p:spPr/>
+        <p:txBody>
+          <a:bodyPr>
+            <a:normAutofit/>
+          </a:bodyPr>
+          <a:lstStyle/>
+          <a:p>
+            <a:r>
+              <a:rPr lang="en-US" dirty="0" err="1"/>
+              <a:t>DecisionTreeClassifier</a:t>
+            </a:r>
+            <a:r>
+              <a:rPr lang="en-US" dirty="0"/>
+              <a:t> ❌</a:t>
+            </a:r>
+          </a:p>
+          <a:p>
+            <a:pPr lvl="1"/>
+            <a:r>
+              <a:rPr lang="en-US" dirty="0"/>
+              <a:t>47% Accuracy</a:t>
+            </a:r>
+          </a:p>
+          <a:p>
+            <a:r>
+              <a:rPr lang="en-US" dirty="0" err="1"/>
+              <a:t>LogisticRegression</a:t>
+            </a:r>
+            <a:r>
+              <a:rPr lang="en-US" dirty="0"/>
+              <a:t> ❌</a:t>
+            </a:r>
+          </a:p>
+          <a:p>
+            <a:pPr lvl="1"/>
+            <a:r>
+              <a:rPr lang="en-US" dirty="0"/>
+              <a:t>61%  Accuracy (Testing)</a:t>
+            </a:r>
+          </a:p>
+          <a:p>
+            <a:pPr lvl="1"/>
+            <a:r>
+              <a:rPr lang="en-US" dirty="0"/>
+              <a:t>51%  Accuracy (Training)</a:t>
+            </a:r>
+          </a:p>
+          <a:p>
+            <a:r>
+              <a:rPr lang="en-US" dirty="0" err="1"/>
+              <a:t>XGBoost</a:t>
+            </a:r>
+            <a:r>
+              <a:rPr lang="en-US" dirty="0"/>
+              <a:t> ❌ </a:t>
+            </a:r>
+          </a:p>
+          <a:p>
+            <a:pPr lvl="1"/>
+            <a:r>
+              <a:rPr lang="en-US" dirty="0"/>
+              <a:t>51% Accuracy</a:t>
+            </a:r>
+          </a:p>
+          <a:p>
+            <a:r>
+              <a:rPr lang="en-US" dirty="0" err="1"/>
+              <a:t>RandomForestClassifier</a:t>
+            </a:r>
+            <a:r>
+              <a:rPr lang="en-US" dirty="0"/>
+              <a:t> ✅</a:t>
+            </a:r>
+          </a:p>
+          <a:p>
+            <a:pPr lvl="1"/>
+            <a:r>
+              <a:rPr lang="en-US" dirty="0"/>
+              <a:t>55% Accuracy</a:t>
+            </a:r>
+          </a:p>
+        </p:txBody>
+      </p:sp>
+    </p:spTree>
+    <p:extLst>
+      <p:ext uri="{BB962C8B-B14F-4D97-AF65-F5344CB8AC3E}">
+        <p14:creationId xmlns:p14="http://schemas.microsoft.com/office/powerpoint/2010/main" val="1385197365"/>
+      </p:ext>
+    </p:extLst>
+  </p:cSld>
+  <p:clrMapOvr>
+    <a:masterClrMapping/>
+  </p:clrMapOvr>
+</p:sld>
+</file>
+
+<file path=ppt/slides/slide6.xml><?xml version="1.0" encoding="utf-8"?>
+<p:sld xmlns:a="http://schemas.openxmlformats.org/drawingml/2006/main" xmlns:r="http://schemas.openxmlformats.org/officeDocument/2006/relationships" xmlns:p="http://schemas.openxmlformats.org/presentationml/2006/main">
+  <p:cSld>
+    <p:spTree>
+      <p:nvGrpSpPr>
+        <p:cNvPr id="1" name=""/>
+        <p:cNvGrpSpPr/>
+        <p:nvPr/>
+      </p:nvGrpSpPr>
+      <p:grpSpPr>
+        <a:xfrm>
+          <a:off x="0" y="0"/>
+          <a:ext cx="0" cy="0"/>
+          <a:chOff x="0" y="0"/>
+          <a:chExt cx="0" cy="0"/>
+        </a:xfrm>
+      </p:grpSpPr>
+      <p:sp>
+        <p:nvSpPr>
+          <p:cNvPr id="2" name="Title 1">
+            <a:extLst>
+              <a:ext uri="{FF2B5EF4-FFF2-40B4-BE49-F238E27FC236}">
                 <a16:creationId xmlns:a16="http://schemas.microsoft.com/office/drawing/2014/main" id="{556A69C9-CD4C-874E-B65C-720B98710C7E}"/>
               </a:ext>
             </a:extLst>
@@ -4890,7 +5224,7 @@
 </p:sld>
 </file>
 
-<file path=ppt/slides/slide6.xml><?xml version="1.0" encoding="utf-8"?>
+<file path=ppt/slides/slide7.xml><?xml version="1.0" encoding="utf-8"?>
 <p:sld xmlns:a="http://schemas.openxmlformats.org/drawingml/2006/main" xmlns:r="http://schemas.openxmlformats.org/officeDocument/2006/relationships" xmlns:p="http://schemas.openxmlformats.org/presentationml/2006/main">
   <p:cSld>
     <p:spTree>
